--- a/docs/symbench-studio-layout.pptx
+++ b/docs/symbench-studio-layout.pptx
@@ -262,7 +262,7 @@
           <a:p>
             <a:fld id="{3333D4CF-3B87-8741-A2A1-805F099A5847}" type="datetimeFigureOut">
               <a:rPr lang="en-US" smtClean="0"/>
-              <a:t>7/28/23</a:t>
+              <a:t>8/1/23</a:t>
             </a:fld>
             <a:endParaRPr lang="en-US"/>
           </a:p>
@@ -460,7 +460,7 @@
           <a:p>
             <a:fld id="{3333D4CF-3B87-8741-A2A1-805F099A5847}" type="datetimeFigureOut">
               <a:rPr lang="en-US" smtClean="0"/>
-              <a:t>7/28/23</a:t>
+              <a:t>8/1/23</a:t>
             </a:fld>
             <a:endParaRPr lang="en-US"/>
           </a:p>
@@ -668,7 +668,7 @@
           <a:p>
             <a:fld id="{3333D4CF-3B87-8741-A2A1-805F099A5847}" type="datetimeFigureOut">
               <a:rPr lang="en-US" smtClean="0"/>
-              <a:t>7/28/23</a:t>
+              <a:t>8/1/23</a:t>
             </a:fld>
             <a:endParaRPr lang="en-US"/>
           </a:p>
@@ -866,7 +866,7 @@
           <a:p>
             <a:fld id="{3333D4CF-3B87-8741-A2A1-805F099A5847}" type="datetimeFigureOut">
               <a:rPr lang="en-US" smtClean="0"/>
-              <a:t>7/28/23</a:t>
+              <a:t>8/1/23</a:t>
             </a:fld>
             <a:endParaRPr lang="en-US"/>
           </a:p>
@@ -1141,7 +1141,7 @@
           <a:p>
             <a:fld id="{3333D4CF-3B87-8741-A2A1-805F099A5847}" type="datetimeFigureOut">
               <a:rPr lang="en-US" smtClean="0"/>
-              <a:t>7/28/23</a:t>
+              <a:t>8/1/23</a:t>
             </a:fld>
             <a:endParaRPr lang="en-US"/>
           </a:p>
@@ -1406,7 +1406,7 @@
           <a:p>
             <a:fld id="{3333D4CF-3B87-8741-A2A1-805F099A5847}" type="datetimeFigureOut">
               <a:rPr lang="en-US" smtClean="0"/>
-              <a:t>7/28/23</a:t>
+              <a:t>8/1/23</a:t>
             </a:fld>
             <a:endParaRPr lang="en-US"/>
           </a:p>
@@ -1818,7 +1818,7 @@
           <a:p>
             <a:fld id="{3333D4CF-3B87-8741-A2A1-805F099A5847}" type="datetimeFigureOut">
               <a:rPr lang="en-US" smtClean="0"/>
-              <a:t>7/28/23</a:t>
+              <a:t>8/1/23</a:t>
             </a:fld>
             <a:endParaRPr lang="en-US"/>
           </a:p>
@@ -1959,7 +1959,7 @@
           <a:p>
             <a:fld id="{3333D4CF-3B87-8741-A2A1-805F099A5847}" type="datetimeFigureOut">
               <a:rPr lang="en-US" smtClean="0"/>
-              <a:t>7/28/23</a:t>
+              <a:t>8/1/23</a:t>
             </a:fld>
             <a:endParaRPr lang="en-US"/>
           </a:p>
@@ -2072,7 +2072,7 @@
           <a:p>
             <a:fld id="{3333D4CF-3B87-8741-A2A1-805F099A5847}" type="datetimeFigureOut">
               <a:rPr lang="en-US" smtClean="0"/>
-              <a:t>7/28/23</a:t>
+              <a:t>8/1/23</a:t>
             </a:fld>
             <a:endParaRPr lang="en-US"/>
           </a:p>
@@ -2383,7 +2383,7 @@
           <a:p>
             <a:fld id="{3333D4CF-3B87-8741-A2A1-805F099A5847}" type="datetimeFigureOut">
               <a:rPr lang="en-US" smtClean="0"/>
-              <a:t>7/28/23</a:t>
+              <a:t>8/1/23</a:t>
             </a:fld>
             <a:endParaRPr lang="en-US"/>
           </a:p>
@@ -2671,7 +2671,7 @@
           <a:p>
             <a:fld id="{3333D4CF-3B87-8741-A2A1-805F099A5847}" type="datetimeFigureOut">
               <a:rPr lang="en-US" smtClean="0"/>
-              <a:t>7/28/23</a:t>
+              <a:t>8/1/23</a:t>
             </a:fld>
             <a:endParaRPr lang="en-US"/>
           </a:p>
@@ -2912,7 +2912,7 @@
           <a:p>
             <a:fld id="{3333D4CF-3B87-8741-A2A1-805F099A5847}" type="datetimeFigureOut">
               <a:rPr lang="en-US" smtClean="0"/>
-              <a:t>7/28/23</a:t>
+              <a:t>8/1/23</a:t>
             </a:fld>
             <a:endParaRPr lang="en-US"/>
           </a:p>
@@ -3392,8 +3392,8 @@
         </p:nvSpPr>
         <p:spPr>
           <a:xfrm>
-            <a:off x="3313876" y="1024630"/>
-            <a:ext cx="2662178" cy="1119648"/>
+            <a:off x="3313876" y="787791"/>
+            <a:ext cx="2662178" cy="2189251"/>
           </a:xfrm>
           <a:prstGeom prst="roundRect">
             <a:avLst/>
@@ -3441,8 +3441,8 @@
         </p:nvSpPr>
         <p:spPr>
           <a:xfrm>
-            <a:off x="6226838" y="1024630"/>
-            <a:ext cx="2662178" cy="1119648"/>
+            <a:off x="6226838" y="787791"/>
+            <a:ext cx="2662178" cy="2198441"/>
           </a:xfrm>
           <a:prstGeom prst="roundRect">
             <a:avLst/>
@@ -3490,7 +3490,7 @@
         </p:nvSpPr>
         <p:spPr>
           <a:xfrm>
-            <a:off x="6645729" y="1411428"/>
+            <a:off x="6645729" y="1369222"/>
             <a:ext cx="1747157" cy="212272"/>
           </a:xfrm>
           <a:prstGeom prst="roundRect">
@@ -3538,7 +3538,7 @@
         </p:nvSpPr>
         <p:spPr>
           <a:xfrm>
-            <a:off x="8855150" y="1304693"/>
+            <a:off x="8855150" y="1262488"/>
             <a:ext cx="3329438" cy="369332"/>
           </a:xfrm>
           <a:prstGeom prst="rect">
@@ -3577,7 +3577,7 @@
         </p:nvCxnSpPr>
         <p:spPr>
           <a:xfrm flipH="1">
-            <a:off x="8392886" y="1506289"/>
+            <a:off x="8392886" y="1464083"/>
             <a:ext cx="496130" cy="11275"/>
           </a:xfrm>
           <a:prstGeom prst="straightConnector1">
@@ -3616,7 +3616,7 @@
         </p:nvSpPr>
         <p:spPr>
           <a:xfrm>
-            <a:off x="3326178" y="2221701"/>
+            <a:off x="3326178" y="3023566"/>
             <a:ext cx="5562838" cy="1377387"/>
           </a:xfrm>
           <a:prstGeom prst="roundRect">
@@ -3665,7 +3665,7 @@
         </p:nvSpPr>
         <p:spPr>
           <a:xfrm>
-            <a:off x="3313876" y="3650492"/>
+            <a:off x="3313876" y="4438287"/>
             <a:ext cx="5562838" cy="1240956"/>
           </a:xfrm>
           <a:prstGeom prst="roundRect">
@@ -3714,8 +3714,8 @@
         </p:nvSpPr>
         <p:spPr>
           <a:xfrm>
-            <a:off x="3326178" y="4936553"/>
-            <a:ext cx="5562838" cy="1699307"/>
+            <a:off x="3326178" y="5708054"/>
+            <a:ext cx="5562838" cy="1040350"/>
           </a:xfrm>
           <a:prstGeom prst="roundRect">
             <a:avLst/>
@@ -3770,7 +3770,7 @@
         </p:nvSpPr>
         <p:spPr>
           <a:xfrm>
-            <a:off x="3771386" y="1454185"/>
+            <a:off x="3771386" y="2678076"/>
             <a:ext cx="1747157" cy="212272"/>
           </a:xfrm>
           <a:prstGeom prst="roundRect">
@@ -3822,7 +3822,7 @@
         </p:nvSpPr>
         <p:spPr>
           <a:xfrm>
-            <a:off x="103420" y="1244113"/>
+            <a:off x="131868" y="2493410"/>
             <a:ext cx="3162789" cy="369332"/>
           </a:xfrm>
           <a:prstGeom prst="rect">
@@ -3861,7 +3861,7 @@
         </p:nvCxnSpPr>
         <p:spPr>
           <a:xfrm>
-            <a:off x="3199949" y="1481791"/>
+            <a:off x="3199949" y="2705682"/>
             <a:ext cx="571437" cy="78530"/>
           </a:xfrm>
           <a:prstGeom prst="straightConnector1">
@@ -3900,7 +3900,7 @@
         </p:nvSpPr>
         <p:spPr>
           <a:xfrm>
-            <a:off x="6353301" y="1738388"/>
+            <a:off x="6353301" y="1766522"/>
             <a:ext cx="2376128" cy="257216"/>
           </a:xfrm>
           <a:prstGeom prst="roundRect">
@@ -3952,7 +3952,7 @@
         </p:nvSpPr>
         <p:spPr>
           <a:xfrm>
-            <a:off x="8895253" y="1728815"/>
+            <a:off x="8895253" y="1841357"/>
             <a:ext cx="3262881" cy="646331"/>
           </a:xfrm>
           <a:prstGeom prst="rect">
@@ -4001,7 +4001,7 @@
         </p:nvCxnSpPr>
         <p:spPr>
           <a:xfrm flipH="1" flipV="1">
-            <a:off x="8729429" y="1866996"/>
+            <a:off x="8729429" y="1895130"/>
             <a:ext cx="199690" cy="201913"/>
           </a:xfrm>
           <a:prstGeom prst="straightConnector1">
@@ -4040,7 +4040,7 @@
         </p:nvSpPr>
         <p:spPr>
           <a:xfrm>
-            <a:off x="3380010" y="2611581"/>
+            <a:off x="3380010" y="3413446"/>
             <a:ext cx="2662178" cy="987001"/>
           </a:xfrm>
           <a:prstGeom prst="roundRect">
@@ -4100,7 +4100,7 @@
         </p:nvSpPr>
         <p:spPr>
           <a:xfrm>
-            <a:off x="6188218" y="2611581"/>
+            <a:off x="6188218" y="3413446"/>
             <a:ext cx="2662178" cy="987001"/>
           </a:xfrm>
           <a:prstGeom prst="roundRect">
@@ -4160,7 +4160,7 @@
         </p:nvSpPr>
         <p:spPr>
           <a:xfrm>
-            <a:off x="4714665" y="3294907"/>
+            <a:off x="4714665" y="4068636"/>
             <a:ext cx="3067443" cy="369332"/>
           </a:xfrm>
           <a:prstGeom prst="rect">
@@ -4178,6 +4178,348 @@
               <a:rPr lang="en-US" dirty="0"/>
               <a:t>Only 1 column for single solver</a:t>
             </a:r>
+          </a:p>
+        </p:txBody>
+      </p:sp>
+      <p:sp>
+        <p:nvSpPr>
+          <p:cNvPr id="9" name="Rounded Rectangle 8">
+            <a:extLst>
+              <a:ext uri="{FF2B5EF4-FFF2-40B4-BE49-F238E27FC236}">
+                <a16:creationId xmlns:a16="http://schemas.microsoft.com/office/drawing/2014/main" id="{275BDD71-180B-D8E6-B8A5-A39F98F8B721}"/>
+              </a:ext>
+            </a:extLst>
+          </p:cNvPr>
+          <p:cNvSpPr/>
+          <p:nvPr/>
+        </p:nvSpPr>
+        <p:spPr>
+          <a:xfrm>
+            <a:off x="3780258" y="1348369"/>
+            <a:ext cx="1747157" cy="212272"/>
+          </a:xfrm>
+          <a:prstGeom prst="roundRect">
+            <a:avLst/>
+          </a:prstGeom>
+          <a:noFill/>
+        </p:spPr>
+        <p:style>
+          <a:lnRef idx="2">
+            <a:schemeClr val="accent6"/>
+          </a:lnRef>
+          <a:fillRef idx="1">
+            <a:schemeClr val="lt1"/>
+          </a:fillRef>
+          <a:effectRef idx="0">
+            <a:schemeClr val="accent6"/>
+          </a:effectRef>
+          <a:fontRef idx="minor">
+            <a:schemeClr val="dk1"/>
+          </a:fontRef>
+        </p:style>
+        <p:txBody>
+          <a:bodyPr rtlCol="0" anchor="ctr"/>
+          <a:lstStyle/>
+          <a:p>
+            <a:pPr algn="ctr"/>
+            <a:r>
+              <a:rPr lang="en-US" dirty="0"/>
+              <a:t>button </a:t>
+            </a:r>
+          </a:p>
+        </p:txBody>
+      </p:sp>
+      <p:sp>
+        <p:nvSpPr>
+          <p:cNvPr id="11" name="Rounded Rectangle 10">
+            <a:extLst>
+              <a:ext uri="{FF2B5EF4-FFF2-40B4-BE49-F238E27FC236}">
+                <a16:creationId xmlns:a16="http://schemas.microsoft.com/office/drawing/2014/main" id="{C1A3C179-67D5-F9A7-3C56-8C3C100F559F}"/>
+              </a:ext>
+            </a:extLst>
+          </p:cNvPr>
+          <p:cNvSpPr/>
+          <p:nvPr/>
+        </p:nvSpPr>
+        <p:spPr>
+          <a:xfrm>
+            <a:off x="3768016" y="1658169"/>
+            <a:ext cx="1747157" cy="397077"/>
+          </a:xfrm>
+          <a:prstGeom prst="roundRect">
+            <a:avLst/>
+          </a:prstGeom>
+          <a:noFill/>
+        </p:spPr>
+        <p:style>
+          <a:lnRef idx="2">
+            <a:schemeClr val="accent6"/>
+          </a:lnRef>
+          <a:fillRef idx="1">
+            <a:schemeClr val="lt1"/>
+          </a:fillRef>
+          <a:effectRef idx="0">
+            <a:schemeClr val="accent6"/>
+          </a:effectRef>
+          <a:fontRef idx="minor">
+            <a:schemeClr val="dk1"/>
+          </a:fontRef>
+        </p:style>
+        <p:txBody>
+          <a:bodyPr rtlCol="0" anchor="ctr"/>
+          <a:lstStyle/>
+          <a:p>
+            <a:pPr algn="ctr"/>
+            <a:r>
+              <a:rPr lang="en-US" dirty="0" err="1"/>
+              <a:t>text_input</a:t>
+            </a:r>
+            <a:r>
+              <a:rPr lang="en-US" dirty="0"/>
+              <a:t> </a:t>
+            </a:r>
+          </a:p>
+        </p:txBody>
+      </p:sp>
+      <p:sp>
+        <p:nvSpPr>
+          <p:cNvPr id="19" name="Rounded Rectangle 18">
+            <a:extLst>
+              <a:ext uri="{FF2B5EF4-FFF2-40B4-BE49-F238E27FC236}">
+                <a16:creationId xmlns:a16="http://schemas.microsoft.com/office/drawing/2014/main" id="{54629DED-8564-6DF5-B22B-8E4E50EC2F5A}"/>
+              </a:ext>
+            </a:extLst>
+          </p:cNvPr>
+          <p:cNvSpPr/>
+          <p:nvPr/>
+        </p:nvSpPr>
+        <p:spPr>
+          <a:xfrm>
+            <a:off x="3768016" y="2169357"/>
+            <a:ext cx="1747157" cy="397077"/>
+          </a:xfrm>
+          <a:prstGeom prst="roundRect">
+            <a:avLst/>
+          </a:prstGeom>
+          <a:noFill/>
+        </p:spPr>
+        <p:style>
+          <a:lnRef idx="2">
+            <a:schemeClr val="accent6"/>
+          </a:lnRef>
+          <a:fillRef idx="1">
+            <a:schemeClr val="lt1"/>
+          </a:fillRef>
+          <a:effectRef idx="0">
+            <a:schemeClr val="accent6"/>
+          </a:effectRef>
+          <a:fontRef idx="minor">
+            <a:schemeClr val="dk1"/>
+          </a:fontRef>
+        </p:style>
+        <p:txBody>
+          <a:bodyPr rtlCol="0" anchor="ctr"/>
+          <a:lstStyle/>
+          <a:p>
+            <a:pPr algn="ctr"/>
+            <a:r>
+              <a:rPr lang="en-US" sz="1600" dirty="0"/>
+              <a:t>warning / success</a:t>
+            </a:r>
+          </a:p>
+        </p:txBody>
+      </p:sp>
+      <p:sp>
+        <p:nvSpPr>
+          <p:cNvPr id="20" name="Left Brace 19">
+            <a:extLst>
+              <a:ext uri="{FF2B5EF4-FFF2-40B4-BE49-F238E27FC236}">
+                <a16:creationId xmlns:a16="http://schemas.microsoft.com/office/drawing/2014/main" id="{D36145B2-7FD0-4781-C52C-36DA89D63D80}"/>
+              </a:ext>
+            </a:extLst>
+          </p:cNvPr>
+          <p:cNvSpPr/>
+          <p:nvPr/>
+        </p:nvSpPr>
+        <p:spPr>
+          <a:xfrm>
+            <a:off x="3515147" y="1256680"/>
+            <a:ext cx="316972" cy="1342866"/>
+          </a:xfrm>
+          <a:prstGeom prst="leftBrace">
+            <a:avLst/>
+          </a:prstGeom>
+        </p:spPr>
+        <p:style>
+          <a:lnRef idx="1">
+            <a:schemeClr val="accent1"/>
+          </a:lnRef>
+          <a:fillRef idx="0">
+            <a:schemeClr val="accent1"/>
+          </a:fillRef>
+          <a:effectRef idx="0">
+            <a:schemeClr val="accent1"/>
+          </a:effectRef>
+          <a:fontRef idx="minor">
+            <a:schemeClr val="tx1"/>
+          </a:fontRef>
+        </p:style>
+        <p:txBody>
+          <a:bodyPr rtlCol="0" anchor="ctr"/>
+          <a:lstStyle/>
+          <a:p>
+            <a:pPr algn="ctr"/>
+            <a:endParaRPr lang="en-US"/>
+          </a:p>
+        </p:txBody>
+      </p:sp>
+      <p:sp>
+        <p:nvSpPr>
+          <p:cNvPr id="22" name="TextBox 21">
+            <a:extLst>
+              <a:ext uri="{FF2B5EF4-FFF2-40B4-BE49-F238E27FC236}">
+                <a16:creationId xmlns:a16="http://schemas.microsoft.com/office/drawing/2014/main" id="{3E63DEA5-45BC-1770-7B6F-A0895FBDEA8D}"/>
+              </a:ext>
+            </a:extLst>
+          </p:cNvPr>
+          <p:cNvSpPr txBox="1"/>
+          <p:nvPr/>
+        </p:nvSpPr>
+        <p:spPr>
+          <a:xfrm>
+            <a:off x="1903453" y="1736868"/>
+            <a:ext cx="1672702" cy="338554"/>
+          </a:xfrm>
+          <a:prstGeom prst="rect">
+            <a:avLst/>
+          </a:prstGeom>
+          <a:noFill/>
+        </p:spPr>
+        <p:txBody>
+          <a:bodyPr wrap="none" rtlCol="0">
+            <a:spAutoFit/>
+          </a:bodyPr>
+          <a:lstStyle/>
+          <a:p>
+            <a:r>
+              <a:rPr lang="en-US" sz="1600" dirty="0"/>
+              <a:t>Add new problem</a:t>
+            </a:r>
+          </a:p>
+        </p:txBody>
+      </p:sp>
+      <p:sp>
+        <p:nvSpPr>
+          <p:cNvPr id="23" name="Left Brace 22">
+            <a:extLst>
+              <a:ext uri="{FF2B5EF4-FFF2-40B4-BE49-F238E27FC236}">
+                <a16:creationId xmlns:a16="http://schemas.microsoft.com/office/drawing/2014/main" id="{0D681CA0-E938-110B-73C6-E70479707C0F}"/>
+              </a:ext>
+            </a:extLst>
+          </p:cNvPr>
+          <p:cNvSpPr/>
+          <p:nvPr/>
+        </p:nvSpPr>
+        <p:spPr>
+          <a:xfrm flipH="1">
+            <a:off x="5402352" y="1607165"/>
+            <a:ext cx="322798" cy="1009287"/>
+          </a:xfrm>
+          <a:prstGeom prst="leftBrace">
+            <a:avLst/>
+          </a:prstGeom>
+        </p:spPr>
+        <p:style>
+          <a:lnRef idx="1">
+            <a:schemeClr val="accent1"/>
+          </a:lnRef>
+          <a:fillRef idx="0">
+            <a:schemeClr val="accent1"/>
+          </a:fillRef>
+          <a:effectRef idx="0">
+            <a:schemeClr val="accent1"/>
+          </a:effectRef>
+          <a:fontRef idx="minor">
+            <a:schemeClr val="tx1"/>
+          </a:fontRef>
+        </p:style>
+        <p:txBody>
+          <a:bodyPr rtlCol="0" anchor="ctr"/>
+          <a:lstStyle/>
+          <a:p>
+            <a:pPr algn="ctr"/>
+            <a:endParaRPr lang="en-US"/>
+          </a:p>
+        </p:txBody>
+      </p:sp>
+      <p:sp>
+        <p:nvSpPr>
+          <p:cNvPr id="24" name="TextBox 23">
+            <a:extLst>
+              <a:ext uri="{FF2B5EF4-FFF2-40B4-BE49-F238E27FC236}">
+                <a16:creationId xmlns:a16="http://schemas.microsoft.com/office/drawing/2014/main" id="{EA13C46E-887F-268B-B5DE-5338F91EAE2F}"/>
+              </a:ext>
+            </a:extLst>
+          </p:cNvPr>
+          <p:cNvSpPr txBox="1"/>
+          <p:nvPr/>
+        </p:nvSpPr>
+        <p:spPr>
+          <a:xfrm>
+            <a:off x="5544414" y="1560641"/>
+            <a:ext cx="975685" cy="1323439"/>
+          </a:xfrm>
+          <a:prstGeom prst="rect">
+            <a:avLst/>
+          </a:prstGeom>
+          <a:noFill/>
+        </p:spPr>
+        <p:txBody>
+          <a:bodyPr wrap="square" rtlCol="0">
+            <a:spAutoFit/>
+          </a:bodyPr>
+          <a:lstStyle/>
+          <a:p>
+            <a:r>
+              <a:rPr lang="en-US" sz="1600" dirty="0"/>
+              <a:t>Only seen when button hit</a:t>
+            </a:r>
+          </a:p>
+        </p:txBody>
+      </p:sp>
+      <p:sp>
+        <p:nvSpPr>
+          <p:cNvPr id="27" name="TextBox 26">
+            <a:extLst>
+              <a:ext uri="{FF2B5EF4-FFF2-40B4-BE49-F238E27FC236}">
+                <a16:creationId xmlns:a16="http://schemas.microsoft.com/office/drawing/2014/main" id="{6DF8A775-0FF2-BD55-E454-B0A8DF0ACE02}"/>
+              </a:ext>
+            </a:extLst>
+          </p:cNvPr>
+          <p:cNvSpPr txBox="1"/>
+          <p:nvPr/>
+        </p:nvSpPr>
+        <p:spPr>
+          <a:xfrm>
+            <a:off x="121226" y="1212162"/>
+            <a:ext cx="3031792" cy="369332"/>
+          </a:xfrm>
+          <a:prstGeom prst="rect">
+            <a:avLst/>
+          </a:prstGeom>
+          <a:noFill/>
+        </p:spPr>
+        <p:txBody>
+          <a:bodyPr wrap="none" rtlCol="0">
+            <a:spAutoFit/>
+          </a:bodyPr>
+          <a:lstStyle/>
+          <a:p>
+            <a:r>
+              <a:rPr lang="en-US" dirty="0" err="1"/>
+              <a:t>st.session_state.new_problem</a:t>
+            </a:r>
+            <a:endParaRPr lang="en-US" dirty="0"/>
           </a:p>
         </p:txBody>
       </p:sp>
@@ -5682,7 +6024,7 @@
             <a:pPr algn="ctr"/>
             <a:r>
               <a:rPr lang="en-US" dirty="0" err="1"/>
-              <a:t>reset_col</a:t>
+              <a:t>history_col</a:t>
             </a:r>
             <a:endParaRPr lang="en-US" dirty="0"/>
           </a:p>
@@ -5740,10 +6082,10 @@
       </p:sp>
       <p:sp>
         <p:nvSpPr>
-          <p:cNvPr id="2" name="TextBox 1">
-            <a:extLst>
-              <a:ext uri="{FF2B5EF4-FFF2-40B4-BE49-F238E27FC236}">
-                <a16:creationId xmlns:a16="http://schemas.microsoft.com/office/drawing/2014/main" id="{967C0F6F-5345-D1E3-4AD3-E31B68CB63EB}"/>
+          <p:cNvPr id="11" name="TextBox 10">
+            <a:extLst>
+              <a:ext uri="{FF2B5EF4-FFF2-40B4-BE49-F238E27FC236}">
+                <a16:creationId xmlns:a16="http://schemas.microsoft.com/office/drawing/2014/main" id="{F624F707-C9C4-F71D-B178-2AE485D0D009}"/>
               </a:ext>
             </a:extLst>
           </p:cNvPr>
@@ -5752,8 +6094,8 @@
         </p:nvSpPr>
         <p:spPr>
           <a:xfrm>
-            <a:off x="7317399" y="5318105"/>
-            <a:ext cx="1764907" cy="369332"/>
+            <a:off x="599455" y="5365076"/>
+            <a:ext cx="4081951" cy="923330"/>
           </a:xfrm>
           <a:prstGeom prst="rect">
             <a:avLst/>
@@ -5767,82 +6109,6 @@
           <a:lstStyle/>
           <a:p>
             <a:r>
-              <a:rPr lang="en-US" dirty="0"/>
-              <a:t>Currently hidden</a:t>
-            </a:r>
-          </a:p>
-        </p:txBody>
-      </p:sp>
-      <p:cxnSp>
-        <p:nvCxnSpPr>
-          <p:cNvPr id="9" name="Straight Arrow Connector 8">
-            <a:extLst>
-              <a:ext uri="{FF2B5EF4-FFF2-40B4-BE49-F238E27FC236}">
-                <a16:creationId xmlns:a16="http://schemas.microsoft.com/office/drawing/2014/main" id="{61CFBE86-0CC2-136F-0759-CAF19966AA91}"/>
-              </a:ext>
-            </a:extLst>
-          </p:cNvPr>
-          <p:cNvCxnSpPr>
-            <a:stCxn id="2" idx="1"/>
-          </p:cNvCxnSpPr>
-          <p:nvPr/>
-        </p:nvCxnSpPr>
-        <p:spPr>
-          <a:xfrm flipH="1" flipV="1">
-            <a:off x="6976533" y="4901427"/>
-            <a:ext cx="340866" cy="601344"/>
-          </a:xfrm>
-          <a:prstGeom prst="straightConnector1">
-            <a:avLst/>
-          </a:prstGeom>
-          <a:ln>
-            <a:tailEnd type="triangle"/>
-          </a:ln>
-        </p:spPr>
-        <p:style>
-          <a:lnRef idx="1">
-            <a:schemeClr val="accent1"/>
-          </a:lnRef>
-          <a:fillRef idx="0">
-            <a:schemeClr val="accent1"/>
-          </a:fillRef>
-          <a:effectRef idx="0">
-            <a:schemeClr val="accent1"/>
-          </a:effectRef>
-          <a:fontRef idx="minor">
-            <a:schemeClr val="tx1"/>
-          </a:fontRef>
-        </p:style>
-      </p:cxnSp>
-      <p:sp>
-        <p:nvSpPr>
-          <p:cNvPr id="11" name="TextBox 10">
-            <a:extLst>
-              <a:ext uri="{FF2B5EF4-FFF2-40B4-BE49-F238E27FC236}">
-                <a16:creationId xmlns:a16="http://schemas.microsoft.com/office/drawing/2014/main" id="{F624F707-C9C4-F71D-B178-2AE485D0D009}"/>
-              </a:ext>
-            </a:extLst>
-          </p:cNvPr>
-          <p:cNvSpPr txBox="1"/>
-          <p:nvPr/>
-        </p:nvSpPr>
-        <p:spPr>
-          <a:xfrm>
-            <a:off x="599455" y="5365076"/>
-            <a:ext cx="4081951" cy="1200329"/>
-          </a:xfrm>
-          <a:prstGeom prst="rect">
-            <a:avLst/>
-          </a:prstGeom>
-          <a:noFill/>
-        </p:spPr>
-        <p:txBody>
-          <a:bodyPr wrap="none" rtlCol="0">
-            <a:spAutoFit/>
-          </a:bodyPr>
-          <a:lstStyle/>
-          <a:p>
-            <a:r>
               <a:rPr lang="en-US" dirty="0" err="1"/>
               <a:t>st.session_state.previous_problem_name</a:t>
             </a:r>
@@ -5859,13 +6125,6 @@
             <a:r>
               <a:rPr lang="en-US" dirty="0" err="1"/>
               <a:t>st.session_state.base_save_path</a:t>
-            </a:r>
-            <a:endParaRPr lang="en-US" dirty="0"/>
-          </a:p>
-          <a:p>
-            <a:r>
-              <a:rPr lang="en-US" dirty="0" err="1"/>
-              <a:t>st.session_state.from_user</a:t>
             </a:r>
             <a:endParaRPr lang="en-US" dirty="0"/>
           </a:p>

--- a/docs/symbench-studio-layout.pptx
+++ b/docs/symbench-studio-layout.pptx
@@ -262,7 +262,7 @@
           <a:p>
             <a:fld id="{3333D4CF-3B87-8741-A2A1-805F099A5847}" type="datetimeFigureOut">
               <a:rPr lang="en-US" smtClean="0"/>
-              <a:t>8/1/23</a:t>
+              <a:t>8/2/23</a:t>
             </a:fld>
             <a:endParaRPr lang="en-US"/>
           </a:p>
@@ -460,7 +460,7 @@
           <a:p>
             <a:fld id="{3333D4CF-3B87-8741-A2A1-805F099A5847}" type="datetimeFigureOut">
               <a:rPr lang="en-US" smtClean="0"/>
-              <a:t>8/1/23</a:t>
+              <a:t>8/2/23</a:t>
             </a:fld>
             <a:endParaRPr lang="en-US"/>
           </a:p>
@@ -668,7 +668,7 @@
           <a:p>
             <a:fld id="{3333D4CF-3B87-8741-A2A1-805F099A5847}" type="datetimeFigureOut">
               <a:rPr lang="en-US" smtClean="0"/>
-              <a:t>8/1/23</a:t>
+              <a:t>8/2/23</a:t>
             </a:fld>
             <a:endParaRPr lang="en-US"/>
           </a:p>
@@ -866,7 +866,7 @@
           <a:p>
             <a:fld id="{3333D4CF-3B87-8741-A2A1-805F099A5847}" type="datetimeFigureOut">
               <a:rPr lang="en-US" smtClean="0"/>
-              <a:t>8/1/23</a:t>
+              <a:t>8/2/23</a:t>
             </a:fld>
             <a:endParaRPr lang="en-US"/>
           </a:p>
@@ -1141,7 +1141,7 @@
           <a:p>
             <a:fld id="{3333D4CF-3B87-8741-A2A1-805F099A5847}" type="datetimeFigureOut">
               <a:rPr lang="en-US" smtClean="0"/>
-              <a:t>8/1/23</a:t>
+              <a:t>8/2/23</a:t>
             </a:fld>
             <a:endParaRPr lang="en-US"/>
           </a:p>
@@ -1406,7 +1406,7 @@
           <a:p>
             <a:fld id="{3333D4CF-3B87-8741-A2A1-805F099A5847}" type="datetimeFigureOut">
               <a:rPr lang="en-US" smtClean="0"/>
-              <a:t>8/1/23</a:t>
+              <a:t>8/2/23</a:t>
             </a:fld>
             <a:endParaRPr lang="en-US"/>
           </a:p>
@@ -1818,7 +1818,7 @@
           <a:p>
             <a:fld id="{3333D4CF-3B87-8741-A2A1-805F099A5847}" type="datetimeFigureOut">
               <a:rPr lang="en-US" smtClean="0"/>
-              <a:t>8/1/23</a:t>
+              <a:t>8/2/23</a:t>
             </a:fld>
             <a:endParaRPr lang="en-US"/>
           </a:p>
@@ -1959,7 +1959,7 @@
           <a:p>
             <a:fld id="{3333D4CF-3B87-8741-A2A1-805F099A5847}" type="datetimeFigureOut">
               <a:rPr lang="en-US" smtClean="0"/>
-              <a:t>8/1/23</a:t>
+              <a:t>8/2/23</a:t>
             </a:fld>
             <a:endParaRPr lang="en-US"/>
           </a:p>
@@ -2072,7 +2072,7 @@
           <a:p>
             <a:fld id="{3333D4CF-3B87-8741-A2A1-805F099A5847}" type="datetimeFigureOut">
               <a:rPr lang="en-US" smtClean="0"/>
-              <a:t>8/1/23</a:t>
+              <a:t>8/2/23</a:t>
             </a:fld>
             <a:endParaRPr lang="en-US"/>
           </a:p>
@@ -2383,7 +2383,7 @@
           <a:p>
             <a:fld id="{3333D4CF-3B87-8741-A2A1-805F099A5847}" type="datetimeFigureOut">
               <a:rPr lang="en-US" smtClean="0"/>
-              <a:t>8/1/23</a:t>
+              <a:t>8/2/23</a:t>
             </a:fld>
             <a:endParaRPr lang="en-US"/>
           </a:p>
@@ -2671,7 +2671,7 @@
           <a:p>
             <a:fld id="{3333D4CF-3B87-8741-A2A1-805F099A5847}" type="datetimeFigureOut">
               <a:rPr lang="en-US" smtClean="0"/>
-              <a:t>8/1/23</a:t>
+              <a:t>8/2/23</a:t>
             </a:fld>
             <a:endParaRPr lang="en-US"/>
           </a:p>
@@ -2912,7 +2912,7 @@
           <a:p>
             <a:fld id="{3333D4CF-3B87-8741-A2A1-805F099A5847}" type="datetimeFigureOut">
               <a:rPr lang="en-US" smtClean="0"/>
-              <a:t>8/1/23</a:t>
+              <a:t>8/2/23</a:t>
             </a:fld>
             <a:endParaRPr lang="en-US"/>
           </a:p>
@@ -6452,7 +6452,7 @@
         <p:spPr>
           <a:xfrm>
             <a:off x="3322458" y="3044855"/>
-            <a:ext cx="5562838" cy="3333395"/>
+            <a:ext cx="5562838" cy="1907413"/>
           </a:xfrm>
           <a:prstGeom prst="roundRect">
             <a:avLst/>
@@ -7089,7 +7089,7 @@
         <p:spPr>
           <a:xfrm>
             <a:off x="3467156" y="5046078"/>
-            <a:ext cx="5222104" cy="1219252"/>
+            <a:ext cx="5222104" cy="1309572"/>
           </a:xfrm>
           <a:prstGeom prst="roundRect">
             <a:avLst/>
@@ -7120,6 +7120,46 @@
               <a:t>Pareto Graph (all solvers/configs)</a:t>
             </a:r>
           </a:p>
+        </p:txBody>
+      </p:sp>
+      <p:sp>
+        <p:nvSpPr>
+          <p:cNvPr id="7" name="Rounded Rectangle 6">
+            <a:extLst>
+              <a:ext uri="{FF2B5EF4-FFF2-40B4-BE49-F238E27FC236}">
+                <a16:creationId xmlns:a16="http://schemas.microsoft.com/office/drawing/2014/main" id="{04260597-43CB-7FAD-A4AC-FA18804C33C7}"/>
+              </a:ext>
+            </a:extLst>
+          </p:cNvPr>
+          <p:cNvSpPr/>
+          <p:nvPr/>
+        </p:nvSpPr>
+        <p:spPr>
+          <a:xfrm>
+            <a:off x="4098301" y="5471736"/>
+            <a:ext cx="3836831" cy="883914"/>
+          </a:xfrm>
+          <a:prstGeom prst="roundRect">
+            <a:avLst/>
+          </a:prstGeom>
+        </p:spPr>
+        <p:style>
+          <a:lnRef idx="2">
+            <a:schemeClr val="accent6"/>
+          </a:lnRef>
+          <a:fillRef idx="1">
+            <a:schemeClr val="lt1"/>
+          </a:fillRef>
+          <a:effectRef idx="0">
+            <a:schemeClr val="accent6"/>
+          </a:effectRef>
+          <a:fontRef idx="minor">
+            <a:schemeClr val="dk1"/>
+          </a:fontRef>
+        </p:style>
+        <p:txBody>
+          <a:bodyPr rtlCol="0" anchor="ctr"/>
+          <a:lstStyle/>
           <a:p>
             <a:pPr algn="ctr"/>
             <a:r>
@@ -7133,6 +7173,132 @@
           </a:p>
         </p:txBody>
       </p:sp>
+      <p:sp>
+        <p:nvSpPr>
+          <p:cNvPr id="8" name="Rounded Rectangle 7">
+            <a:extLst>
+              <a:ext uri="{FF2B5EF4-FFF2-40B4-BE49-F238E27FC236}">
+                <a16:creationId xmlns:a16="http://schemas.microsoft.com/office/drawing/2014/main" id="{74B115D5-EA2C-3CCF-8E98-9D865B3F068A}"/>
+              </a:ext>
+            </a:extLst>
+          </p:cNvPr>
+          <p:cNvSpPr/>
+          <p:nvPr/>
+        </p:nvSpPr>
+        <p:spPr>
+          <a:xfrm>
+            <a:off x="5187936" y="6427436"/>
+            <a:ext cx="1747157" cy="161185"/>
+          </a:xfrm>
+          <a:prstGeom prst="roundRect">
+            <a:avLst/>
+          </a:prstGeom>
+        </p:spPr>
+        <p:style>
+          <a:lnRef idx="2">
+            <a:schemeClr val="accent6"/>
+          </a:lnRef>
+          <a:fillRef idx="1">
+            <a:schemeClr val="lt1"/>
+          </a:fillRef>
+          <a:effectRef idx="0">
+            <a:schemeClr val="accent6"/>
+          </a:effectRef>
+          <a:fontRef idx="minor">
+            <a:schemeClr val="dk1"/>
+          </a:fontRef>
+        </p:style>
+        <p:txBody>
+          <a:bodyPr rtlCol="0" anchor="ctr"/>
+          <a:lstStyle/>
+          <a:p>
+            <a:pPr algn="ctr"/>
+            <a:r>
+              <a:rPr lang="en-US" dirty="0"/>
+              <a:t>slider</a:t>
+            </a:r>
+          </a:p>
+        </p:txBody>
+      </p:sp>
+      <p:sp>
+        <p:nvSpPr>
+          <p:cNvPr id="10" name="TextBox 9">
+            <a:extLst>
+              <a:ext uri="{FF2B5EF4-FFF2-40B4-BE49-F238E27FC236}">
+                <a16:creationId xmlns:a16="http://schemas.microsoft.com/office/drawing/2014/main" id="{20C75CE1-FA26-406D-6B6C-86B8CC425CD0}"/>
+              </a:ext>
+            </a:extLst>
+          </p:cNvPr>
+          <p:cNvSpPr txBox="1"/>
+          <p:nvPr/>
+        </p:nvSpPr>
+        <p:spPr>
+          <a:xfrm>
+            <a:off x="8849845" y="6385754"/>
+            <a:ext cx="3352071" cy="369332"/>
+          </a:xfrm>
+          <a:prstGeom prst="rect">
+            <a:avLst/>
+          </a:prstGeom>
+          <a:noFill/>
+        </p:spPr>
+        <p:txBody>
+          <a:bodyPr wrap="none" rtlCol="0">
+            <a:spAutoFit/>
+          </a:bodyPr>
+          <a:lstStyle/>
+          <a:p>
+            <a:r>
+              <a:rPr lang="en-US" dirty="0" err="1"/>
+              <a:t>st.session_state.display_num_iter</a:t>
+            </a:r>
+            <a:endParaRPr lang="en-US" dirty="0"/>
+          </a:p>
+        </p:txBody>
+      </p:sp>
+      <p:cxnSp>
+        <p:nvCxnSpPr>
+          <p:cNvPr id="14" name="Straight Arrow Connector 13">
+            <a:extLst>
+              <a:ext uri="{FF2B5EF4-FFF2-40B4-BE49-F238E27FC236}">
+                <a16:creationId xmlns:a16="http://schemas.microsoft.com/office/drawing/2014/main" id="{C95B530E-3155-D33B-8411-7A86906E5104}"/>
+              </a:ext>
+            </a:extLst>
+          </p:cNvPr>
+          <p:cNvCxnSpPr>
+            <a:cxnSpLocks/>
+            <a:stCxn id="10" idx="1"/>
+            <a:endCxn id="8" idx="3"/>
+          </p:cNvCxnSpPr>
+          <p:nvPr/>
+        </p:nvCxnSpPr>
+        <p:spPr>
+          <a:xfrm flipH="1" flipV="1">
+            <a:off x="6935093" y="6508029"/>
+            <a:ext cx="1914752" cy="62391"/>
+          </a:xfrm>
+          <a:prstGeom prst="straightConnector1">
+            <a:avLst/>
+          </a:prstGeom>
+          <a:ln>
+            <a:tailEnd type="triangle"/>
+          </a:ln>
+        </p:spPr>
+        <p:style>
+          <a:lnRef idx="1">
+            <a:schemeClr val="accent1"/>
+          </a:lnRef>
+          <a:fillRef idx="0">
+            <a:schemeClr val="accent1"/>
+          </a:fillRef>
+          <a:effectRef idx="0">
+            <a:schemeClr val="accent1"/>
+          </a:effectRef>
+          <a:fontRef idx="minor">
+            <a:schemeClr val="tx1"/>
+          </a:fontRef>
+        </p:style>
+      </p:cxnSp>
     </p:spTree>
     <p:extLst>
       <p:ext uri="{BB962C8B-B14F-4D97-AF65-F5344CB8AC3E}">
